--- a/Tables in database.pptx
+++ b/Tables in database.pptx
@@ -164,7 +164,7 @@
     </p:extLst>
   </p:cm>
   <p:cm authorId="1" dt="2021-01-06T13:15:48.788" idx="5">
-    <p:pos x="5039" y="1265"/>
+    <p:pos x="4977" y="1398"/>
     <p:text>Maybe it will be easier for us to join the two tables of share recipe- and recipe table</p:text>
     <p:extLst>
       <p:ext uri="{C676402C-5697-4E1C-873F-D02D1690AC5C}">
@@ -324,7 +324,7 @@
           <a:p>
             <a:fld id="{8B8D6E86-DBDB-4CF1-9AD9-B9AE3AC95484}" type="datetimeFigureOut">
               <a:rPr lang="he-IL" smtClean="0"/>
-              <a:t>כ"ב/טבת/תשפ"א</a:t>
+              <a:t>כ"ג/טבת/תשפ"א</a:t>
             </a:fld>
             <a:endParaRPr lang="he-IL"/>
           </a:p>
@@ -524,7 +524,7 @@
           <a:p>
             <a:fld id="{8B8D6E86-DBDB-4CF1-9AD9-B9AE3AC95484}" type="datetimeFigureOut">
               <a:rPr lang="he-IL" smtClean="0"/>
-              <a:t>כ"ב/טבת/תשפ"א</a:t>
+              <a:t>כ"ג/טבת/תשפ"א</a:t>
             </a:fld>
             <a:endParaRPr lang="he-IL"/>
           </a:p>
@@ -734,7 +734,7 @@
           <a:p>
             <a:fld id="{8B8D6E86-DBDB-4CF1-9AD9-B9AE3AC95484}" type="datetimeFigureOut">
               <a:rPr lang="he-IL" smtClean="0"/>
-              <a:t>כ"ב/טבת/תשפ"א</a:t>
+              <a:t>כ"ג/טבת/תשפ"א</a:t>
             </a:fld>
             <a:endParaRPr lang="he-IL"/>
           </a:p>
@@ -934,7 +934,7 @@
           <a:p>
             <a:fld id="{8B8D6E86-DBDB-4CF1-9AD9-B9AE3AC95484}" type="datetimeFigureOut">
               <a:rPr lang="he-IL" smtClean="0"/>
-              <a:t>כ"ב/טבת/תשפ"א</a:t>
+              <a:t>כ"ג/טבת/תשפ"א</a:t>
             </a:fld>
             <a:endParaRPr lang="he-IL"/>
           </a:p>
@@ -1210,7 +1210,7 @@
           <a:p>
             <a:fld id="{8B8D6E86-DBDB-4CF1-9AD9-B9AE3AC95484}" type="datetimeFigureOut">
               <a:rPr lang="he-IL" smtClean="0"/>
-              <a:t>כ"ב/טבת/תשפ"א</a:t>
+              <a:t>כ"ג/טבת/תשפ"א</a:t>
             </a:fld>
             <a:endParaRPr lang="he-IL"/>
           </a:p>
@@ -1478,7 +1478,7 @@
           <a:p>
             <a:fld id="{8B8D6E86-DBDB-4CF1-9AD9-B9AE3AC95484}" type="datetimeFigureOut">
               <a:rPr lang="he-IL" smtClean="0"/>
-              <a:t>כ"ב/טבת/תשפ"א</a:t>
+              <a:t>כ"ג/טבת/תשפ"א</a:t>
             </a:fld>
             <a:endParaRPr lang="he-IL"/>
           </a:p>
@@ -1893,7 +1893,7 @@
           <a:p>
             <a:fld id="{8B8D6E86-DBDB-4CF1-9AD9-B9AE3AC95484}" type="datetimeFigureOut">
               <a:rPr lang="he-IL" smtClean="0"/>
-              <a:t>כ"ב/טבת/תשפ"א</a:t>
+              <a:t>כ"ג/טבת/תשפ"א</a:t>
             </a:fld>
             <a:endParaRPr lang="he-IL"/>
           </a:p>
@@ -2035,7 +2035,7 @@
           <a:p>
             <a:fld id="{8B8D6E86-DBDB-4CF1-9AD9-B9AE3AC95484}" type="datetimeFigureOut">
               <a:rPr lang="he-IL" smtClean="0"/>
-              <a:t>כ"ב/טבת/תשפ"א</a:t>
+              <a:t>כ"ג/טבת/תשפ"א</a:t>
             </a:fld>
             <a:endParaRPr lang="he-IL"/>
           </a:p>
@@ -2148,7 +2148,7 @@
           <a:p>
             <a:fld id="{8B8D6E86-DBDB-4CF1-9AD9-B9AE3AC95484}" type="datetimeFigureOut">
               <a:rPr lang="he-IL" smtClean="0"/>
-              <a:t>כ"ב/טבת/תשפ"א</a:t>
+              <a:t>כ"ג/טבת/תשפ"א</a:t>
             </a:fld>
             <a:endParaRPr lang="he-IL"/>
           </a:p>
@@ -2461,7 +2461,7 @@
           <a:p>
             <a:fld id="{8B8D6E86-DBDB-4CF1-9AD9-B9AE3AC95484}" type="datetimeFigureOut">
               <a:rPr lang="he-IL" smtClean="0"/>
-              <a:t>כ"ב/טבת/תשפ"א</a:t>
+              <a:t>כ"ג/טבת/תשפ"א</a:t>
             </a:fld>
             <a:endParaRPr lang="he-IL"/>
           </a:p>
@@ -2750,7 +2750,7 @@
           <a:p>
             <a:fld id="{8B8D6E86-DBDB-4CF1-9AD9-B9AE3AC95484}" type="datetimeFigureOut">
               <a:rPr lang="he-IL" smtClean="0"/>
-              <a:t>כ"ב/טבת/תשפ"א</a:t>
+              <a:t>כ"ג/טבת/תשפ"א</a:t>
             </a:fld>
             <a:endParaRPr lang="he-IL"/>
           </a:p>
@@ -2993,7 +2993,7 @@
           <a:p>
             <a:fld id="{8B8D6E86-DBDB-4CF1-9AD9-B9AE3AC95484}" type="datetimeFigureOut">
               <a:rPr lang="he-IL" smtClean="0"/>
-              <a:t>כ"ב/טבת/תשפ"א</a:t>
+              <a:t>כ"ג/טבת/תשפ"א</a:t>
             </a:fld>
             <a:endParaRPr lang="he-IL"/>
           </a:p>
@@ -7966,13 +7966,13 @@
           <p:nvPr>
             <p:extLst>
               <p:ext uri="{D42A27DB-BD31-4B8C-83A1-F6EECF244321}">
-                <p14:modId xmlns:p14="http://schemas.microsoft.com/office/powerpoint/2010/main" val="1236023891"/>
+                <p14:modId xmlns:p14="http://schemas.microsoft.com/office/powerpoint/2010/main" val="7872305"/>
               </p:ext>
             </p:extLst>
           </p:nvPr>
         </p:nvGraphicFramePr>
         <p:xfrm>
-          <a:off x="118419" y="450532"/>
+          <a:off x="118418" y="394929"/>
           <a:ext cx="7913811" cy="1651000"/>
         </p:xfrm>
         <a:graphic>
@@ -8284,6 +8284,10 @@
                     <a:lstStyle/>
                     <a:p>
                       <a:pPr rtl="1"/>
+                      <a:r>
+                        <a:rPr lang="en-US" dirty="0"/>
+                        <a:t>349</a:t>
+                      </a:r>
                       <a:endParaRPr lang="he-IL" dirty="0"/>
                     </a:p>
                   </a:txBody>
@@ -8835,7 +8839,7 @@
         </p:nvSpPr>
         <p:spPr>
           <a:xfrm>
-            <a:off x="118418" y="154625"/>
+            <a:off x="118418" y="25597"/>
             <a:ext cx="2413417" cy="369332"/>
           </a:xfrm>
           <a:prstGeom prst="rect">

--- a/Tables in database.pptx
+++ b/Tables in database.pptx
@@ -324,7 +324,7 @@
           <a:p>
             <a:fld id="{8B8D6E86-DBDB-4CF1-9AD9-B9AE3AC95484}" type="datetimeFigureOut">
               <a:rPr lang="he-IL" smtClean="0"/>
-              <a:t>כ"ג/טבת/תשפ"א</a:t>
+              <a:t>ג'/שבט/תשפ"א</a:t>
             </a:fld>
             <a:endParaRPr lang="he-IL"/>
           </a:p>
@@ -524,7 +524,7 @@
           <a:p>
             <a:fld id="{8B8D6E86-DBDB-4CF1-9AD9-B9AE3AC95484}" type="datetimeFigureOut">
               <a:rPr lang="he-IL" smtClean="0"/>
-              <a:t>כ"ג/טבת/תשפ"א</a:t>
+              <a:t>ג'/שבט/תשפ"א</a:t>
             </a:fld>
             <a:endParaRPr lang="he-IL"/>
           </a:p>
@@ -734,7 +734,7 @@
           <a:p>
             <a:fld id="{8B8D6E86-DBDB-4CF1-9AD9-B9AE3AC95484}" type="datetimeFigureOut">
               <a:rPr lang="he-IL" smtClean="0"/>
-              <a:t>כ"ג/טבת/תשפ"א</a:t>
+              <a:t>ג'/שבט/תשפ"א</a:t>
             </a:fld>
             <a:endParaRPr lang="he-IL"/>
           </a:p>
@@ -934,7 +934,7 @@
           <a:p>
             <a:fld id="{8B8D6E86-DBDB-4CF1-9AD9-B9AE3AC95484}" type="datetimeFigureOut">
               <a:rPr lang="he-IL" smtClean="0"/>
-              <a:t>כ"ג/טבת/תשפ"א</a:t>
+              <a:t>ג'/שבט/תשפ"א</a:t>
             </a:fld>
             <a:endParaRPr lang="he-IL"/>
           </a:p>
@@ -1210,7 +1210,7 @@
           <a:p>
             <a:fld id="{8B8D6E86-DBDB-4CF1-9AD9-B9AE3AC95484}" type="datetimeFigureOut">
               <a:rPr lang="he-IL" smtClean="0"/>
-              <a:t>כ"ג/טבת/תשפ"א</a:t>
+              <a:t>ג'/שבט/תשפ"א</a:t>
             </a:fld>
             <a:endParaRPr lang="he-IL"/>
           </a:p>
@@ -1478,7 +1478,7 @@
           <a:p>
             <a:fld id="{8B8D6E86-DBDB-4CF1-9AD9-B9AE3AC95484}" type="datetimeFigureOut">
               <a:rPr lang="he-IL" smtClean="0"/>
-              <a:t>כ"ג/טבת/תשפ"א</a:t>
+              <a:t>ג'/שבט/תשפ"א</a:t>
             </a:fld>
             <a:endParaRPr lang="he-IL"/>
           </a:p>
@@ -1893,7 +1893,7 @@
           <a:p>
             <a:fld id="{8B8D6E86-DBDB-4CF1-9AD9-B9AE3AC95484}" type="datetimeFigureOut">
               <a:rPr lang="he-IL" smtClean="0"/>
-              <a:t>כ"ג/טבת/תשפ"א</a:t>
+              <a:t>ג'/שבט/תשפ"א</a:t>
             </a:fld>
             <a:endParaRPr lang="he-IL"/>
           </a:p>
@@ -2035,7 +2035,7 @@
           <a:p>
             <a:fld id="{8B8D6E86-DBDB-4CF1-9AD9-B9AE3AC95484}" type="datetimeFigureOut">
               <a:rPr lang="he-IL" smtClean="0"/>
-              <a:t>כ"ג/טבת/תשפ"א</a:t>
+              <a:t>ג'/שבט/תשפ"א</a:t>
             </a:fld>
             <a:endParaRPr lang="he-IL"/>
           </a:p>
@@ -2148,7 +2148,7 @@
           <a:p>
             <a:fld id="{8B8D6E86-DBDB-4CF1-9AD9-B9AE3AC95484}" type="datetimeFigureOut">
               <a:rPr lang="he-IL" smtClean="0"/>
-              <a:t>כ"ג/טבת/תשפ"א</a:t>
+              <a:t>ג'/שבט/תשפ"א</a:t>
             </a:fld>
             <a:endParaRPr lang="he-IL"/>
           </a:p>
@@ -2461,7 +2461,7 @@
           <a:p>
             <a:fld id="{8B8D6E86-DBDB-4CF1-9AD9-B9AE3AC95484}" type="datetimeFigureOut">
               <a:rPr lang="he-IL" smtClean="0"/>
-              <a:t>כ"ג/טבת/תשפ"א</a:t>
+              <a:t>ג'/שבט/תשפ"א</a:t>
             </a:fld>
             <a:endParaRPr lang="he-IL"/>
           </a:p>
@@ -2750,7 +2750,7 @@
           <a:p>
             <a:fld id="{8B8D6E86-DBDB-4CF1-9AD9-B9AE3AC95484}" type="datetimeFigureOut">
               <a:rPr lang="he-IL" smtClean="0"/>
-              <a:t>כ"ג/טבת/תשפ"א</a:t>
+              <a:t>ג'/שבט/תשפ"א</a:t>
             </a:fld>
             <a:endParaRPr lang="he-IL"/>
           </a:p>
@@ -2993,7 +2993,7 @@
           <a:p>
             <a:fld id="{8B8D6E86-DBDB-4CF1-9AD9-B9AE3AC95484}" type="datetimeFigureOut">
               <a:rPr lang="he-IL" smtClean="0"/>
-              <a:t>כ"ג/טבת/תשפ"א</a:t>
+              <a:t>ג'/שבט/תשפ"א</a:t>
             </a:fld>
             <a:endParaRPr lang="he-IL"/>
           </a:p>
@@ -3863,7 +3863,7 @@
         </p:nvSpPr>
         <p:spPr>
           <a:xfrm>
-            <a:off x="332706" y="1732706"/>
+            <a:off x="4032510" y="1363374"/>
             <a:ext cx="1855857" cy="369332"/>
           </a:xfrm>
           <a:prstGeom prst="rect">
@@ -3879,7 +3879,7 @@
           <a:p>
             <a:r>
               <a:rPr lang="en-US" dirty="0"/>
-              <a:t>table</a:t>
+              <a:t>Daily schedule</a:t>
             </a:r>
             <a:endParaRPr lang="he-IL" dirty="0"/>
           </a:p>
@@ -9493,7 +9493,7 @@
         </p:nvSpPr>
         <p:spPr>
           <a:xfrm>
-            <a:off x="118418" y="154625"/>
+            <a:off x="118418" y="126490"/>
             <a:ext cx="2413417" cy="369332"/>
           </a:xfrm>
           <a:prstGeom prst="rect">
